--- a/Dossier Technique/Ressources hub/2 - Hub Entreprendre/Présentation Fonctionnelle/REGION PTF Entreprise- Anne Depaepe 04112021.pptx
+++ b/Dossier Technique/Ressources hub/2 - Hub Entreprendre/Présentation Fonctionnelle/REGION PTF Entreprise- Anne Depaepe 04112021.pptx
@@ -264,7 +264,7 @@
             <a:fld id="{10730CB2-E0F3-41F1-8141-F229FD39C7D8}" type="datetimeFigureOut">
               <a:rPr lang="fr-FR" smtClean="0"/>
               <a:pPr/>
-              <a:t>13/06/2022</a:t>
+              <a:t>13/08/2022</a:t>
             </a:fld>
             <a:endParaRPr lang="fr-FR" dirty="0"/>
           </a:p>
@@ -2768,7 +2768,7 @@
           <a:p>
             <a:fld id="{A62823E1-E0F3-4F18-88D4-AA60ED9B457B}" type="datetime1">
               <a:rPr lang="fr-FR" smtClean="0"/>
-              <a:t>13/06/2022</a:t>
+              <a:t>13/08/2022</a:t>
             </a:fld>
             <a:endParaRPr lang="fr-FR" dirty="0"/>
           </a:p>
@@ -4428,7 +4428,7 @@
         </p:nvSpPr>
         <p:spPr>
           <a:xfrm>
-            <a:off x="2951821" y="2813393"/>
+            <a:off x="2999637" y="2894324"/>
             <a:ext cx="3120131" cy="868370"/>
           </a:xfrm>
           <a:prstGeom prst="roundRect">
@@ -4715,8 +4715,8 @@
         </p:nvGrpSpPr>
         <p:grpSpPr>
           <a:xfrm>
-            <a:off x="1201859" y="4289400"/>
-            <a:ext cx="1142575" cy="1620619"/>
+            <a:off x="465737" y="4289400"/>
+            <a:ext cx="1878697" cy="1620619"/>
             <a:chOff x="78475" y="3273453"/>
             <a:chExt cx="1523433" cy="3222603"/>
           </a:xfrm>
@@ -24954,26 +24954,6 @@
 </file>
 
 <file path=customXml/item1.xml><?xml version="1.0" encoding="utf-8"?>
-<p:properties xmlns:p="http://schemas.microsoft.com/office/2006/metadata/properties" xmlns:xsi="http://www.w3.org/2001/XMLSchema-instance" xmlns:pc="http://schemas.microsoft.com/office/infopath/2007/PartnerControls">
-  <documentManagement>
-    <lcf76f155ced4ddcb4097134ff3c332f xmlns="0080b14c-e694-4d3d-b923-78c37d01f8ea">
-      <Terms xmlns="http://schemas.microsoft.com/office/infopath/2007/PartnerControls"/>
-    </lcf76f155ced4ddcb4097134ff3c332f>
-    <TaxCatchAll xmlns="d65a72c7-7e11-44a4-8e3c-315ae3158d34" xsi:nil="true"/>
-  </documentManagement>
-</p:properties>
-</file>
-
-<file path=customXml/item2.xml><?xml version="1.0" encoding="utf-8"?>
-<?mso-contentType ?>
-<FormTemplates xmlns="http://schemas.microsoft.com/sharepoint/v3/contenttype/forms">
-  <Display>DocumentLibraryForm</Display>
-  <Edit>DocumentLibraryForm</Edit>
-  <New>DocumentLibraryForm</New>
-</FormTemplates>
-</file>
-
-<file path=customXml/item3.xml><?xml version="1.0" encoding="utf-8"?>
 <ct:contentTypeSchema xmlns:ct="http://schemas.microsoft.com/office/2006/metadata/contentType" xmlns:ma="http://schemas.microsoft.com/office/2006/metadata/properties/metaAttributes" ct:_="" ma:_="" ma:contentTypeName="Document" ma:contentTypeID="0x0101007EF1A3114A48C843BF13F4DF3916E5DC" ma:contentTypeVersion="16" ma:contentTypeDescription="Crée un document." ma:contentTypeScope="" ma:versionID="4755d9cefebb30b893345e3fd665ce05">
   <xsd:schema xmlns:xsd="http://www.w3.org/2001/XMLSchema" xmlns:xs="http://www.w3.org/2001/XMLSchema" xmlns:p="http://schemas.microsoft.com/office/2006/metadata/properties" xmlns:ns2="0080b14c-e694-4d3d-b923-78c37d01f8ea" xmlns:ns3="69b03830-5364-428d-bcb4-8f0273384e3e" xmlns:ns4="d65a72c7-7e11-44a4-8e3c-315ae3158d34" targetNamespace="http://schemas.microsoft.com/office/2006/metadata/properties" ma:root="true" ma:fieldsID="1b49e0e514859102363cbc34710d2b78" ns2:_="" ns3:_="" ns4:_="">
     <xsd:import namespace="0080b14c-e694-4d3d-b923-78c37d01f8ea"/>
@@ -25221,26 +25201,27 @@
 </ct:contentTypeSchema>
 </file>
 
-<file path=customXml/itemProps1.xml><?xml version="1.0" encoding="utf-8"?>
-<ds:datastoreItem xmlns:ds="http://schemas.openxmlformats.org/officeDocument/2006/customXml" ds:itemID="{C76581C2-3859-4206-8D75-EAEFA059652B}">
-  <ds:schemaRefs>
-    <ds:schemaRef ds:uri="http://schemas.microsoft.com/office/2006/metadata/properties"/>
-    <ds:schemaRef ds:uri="http://schemas.microsoft.com/office/infopath/2007/PartnerControls"/>
-    <ds:schemaRef ds:uri="0080b14c-e694-4d3d-b923-78c37d01f8ea"/>
-    <ds:schemaRef ds:uri="d65a72c7-7e11-44a4-8e3c-315ae3158d34"/>
-  </ds:schemaRefs>
-</ds:datastoreItem>
+<file path=customXml/item2.xml><?xml version="1.0" encoding="utf-8"?>
+<?mso-contentType ?>
+<FormTemplates xmlns="http://schemas.microsoft.com/sharepoint/v3/contenttype/forms">
+  <Display>DocumentLibraryForm</Display>
+  <Edit>DocumentLibraryForm</Edit>
+  <New>DocumentLibraryForm</New>
+</FormTemplates>
 </file>
 
-<file path=customXml/itemProps2.xml><?xml version="1.0" encoding="utf-8"?>
-<ds:datastoreItem xmlns:ds="http://schemas.openxmlformats.org/officeDocument/2006/customXml" ds:itemID="{8CCFF2DE-7AD6-4E34-8E1F-849311962A4F}">
-  <ds:schemaRefs>
-    <ds:schemaRef ds:uri="http://schemas.microsoft.com/sharepoint/v3/contenttype/forms"/>
-  </ds:schemaRefs>
-</ds:datastoreItem>
+<file path=customXml/item3.xml><?xml version="1.0" encoding="utf-8"?>
+<p:properties xmlns:p="http://schemas.microsoft.com/office/2006/metadata/properties" xmlns:xsi="http://www.w3.org/2001/XMLSchema-instance" xmlns:pc="http://schemas.microsoft.com/office/infopath/2007/PartnerControls">
+  <documentManagement>
+    <lcf76f155ced4ddcb4097134ff3c332f xmlns="0080b14c-e694-4d3d-b923-78c37d01f8ea">
+      <Terms xmlns="http://schemas.microsoft.com/office/infopath/2007/PartnerControls"/>
+    </lcf76f155ced4ddcb4097134ff3c332f>
+    <TaxCatchAll xmlns="d65a72c7-7e11-44a4-8e3c-315ae3158d34" xsi:nil="true"/>
+  </documentManagement>
+</p:properties>
 </file>
 
-<file path=customXml/itemProps3.xml><?xml version="1.0" encoding="utf-8"?>
+<file path=customXml/itemProps1.xml><?xml version="1.0" encoding="utf-8"?>
 <ds:datastoreItem xmlns:ds="http://schemas.openxmlformats.org/officeDocument/2006/customXml" ds:itemID="{2E0E1BA5-C8A1-41F8-8572-72D1A8165EC9}">
   <ds:schemaRefs>
     <ds:schemaRef ds:uri="http://schemas.microsoft.com/office/2006/metadata/contentType"/>
@@ -25258,4 +25239,23 @@
     <ds:schemaRef ds:uri="http://schemas.microsoft.com/internal/obd"/>
   </ds:schemaRefs>
 </ds:datastoreItem>
+</file>
+
+<file path=customXml/itemProps2.xml><?xml version="1.0" encoding="utf-8"?>
+<ds:datastoreItem xmlns:ds="http://schemas.openxmlformats.org/officeDocument/2006/customXml" ds:itemID="{8CCFF2DE-7AD6-4E34-8E1F-849311962A4F}">
+  <ds:schemaRefs>
+    <ds:schemaRef ds:uri="http://schemas.microsoft.com/sharepoint/v3/contenttype/forms"/>
+  </ds:schemaRefs>
+</ds:datastoreItem>
+</file>
+
+<file path=customXml/itemProps3.xml><?xml version="1.0" encoding="utf-8"?>
+<ds:datastoreItem xmlns:ds="http://schemas.openxmlformats.org/officeDocument/2006/customXml" ds:itemID="{C76581C2-3859-4206-8D75-EAEFA059652B}">
+  <ds:schemaRefs>
+    <ds:schemaRef ds:uri="http://schemas.microsoft.com/office/2006/metadata/properties"/>
+    <ds:schemaRef ds:uri="http://schemas.microsoft.com/office/infopath/2007/PartnerControls"/>
+    <ds:schemaRef ds:uri="0080b14c-e694-4d3d-b923-78c37d01f8ea"/>
+    <ds:schemaRef ds:uri="d65a72c7-7e11-44a4-8e3c-315ae3158d34"/>
+  </ds:schemaRefs>
+</ds:datastoreItem>
 </file>